--- a/IoC_Testapplication/ConsoleApplication1/_Files/Präsentation.pptx
+++ b/IoC_Testapplication/ConsoleApplication1/_Files/Präsentation.pptx
@@ -16027,8 +16027,8 @@
                     <a:lstStyle/>
                     <a:p>
                       <a:r>
-                        <a:rPr lang="de-DE" sz="3000" smtClean="0"/>
-                        <a:t>Sourcen</a:t>
+                        <a:rPr lang="de-DE" sz="3000" dirty="0" smtClean="0"/>
+                        <a:t>Dateien</a:t>
                       </a:r>
                       <a:endParaRPr lang="de-DE" sz="3000" dirty="0" smtClean="0"/>
                     </a:p>
@@ -16404,24 +16404,7 @@
                 <a:ea typeface="+mj-ea"/>
                 <a:cs typeface="+mj-cs"/>
               </a:rPr>
-              <a:t>05 </a:t>
-            </a:r>
-            <a:r>
-              <a:rPr kumimoji="0" lang="de-DE" sz="2000" b="0" i="1" u="none" strike="noStrike" kern="1200" cap="none" spc="0" normalizeH="0" baseline="0" noProof="0" dirty="0" err="1" smtClean="0">
-                <a:ln>
-                  <a:noFill/>
-                </a:ln>
-                <a:solidFill>
-                  <a:schemeClr val="tx1"/>
-                </a:solidFill>
-                <a:effectLst/>
-                <a:uLnTx/>
-                <a:uFillTx/>
-                <a:latin typeface="+mj-lt"/>
-                <a:ea typeface="+mj-ea"/>
-                <a:cs typeface="+mj-cs"/>
-              </a:rPr>
-              <a:t>Unity</a:t>
+              <a:t>I Dateien</a:t>
             </a:r>
             <a:endParaRPr kumimoji="0" lang="de-DE" sz="2000" b="0" i="1" u="none" strike="noStrike" kern="1200" cap="none" spc="0" normalizeH="0" baseline="0" noProof="0" dirty="0">
               <a:ln>
@@ -16459,7 +16442,7 @@
         </p:spPr>
         <p:txBody>
           <a:bodyPr>
-            <a:normAutofit fontScale="92500" lnSpcReduction="20000"/>
+            <a:normAutofit/>
           </a:bodyPr>
           <a:lstStyle/>
           <a:p>
@@ -16481,7 +16464,7 @@
               <a:defRPr/>
             </a:pPr>
             <a:r>
-              <a:rPr kumimoji="0" lang="de-DE" sz="2200" b="0" i="0" u="none" strike="noStrike" kern="1200" cap="none" spc="0" normalizeH="0" baseline="0" noProof="0" smtClean="0">
+              <a:rPr kumimoji="0" lang="de-DE" sz="2200" b="0" i="0" u="none" strike="noStrike" kern="1200" cap="none" spc="0" normalizeH="0" baseline="0" noProof="0" dirty="0" smtClean="0">
                 <a:ln>
                   <a:noFill/>
                 </a:ln>
@@ -16495,7 +16478,24 @@
                 <a:ea typeface="+mn-ea"/>
                 <a:cs typeface="+mn-cs"/>
               </a:rPr>
-              <a:t>Unity ist so ein IoC Conatiner.</a:t>
+              <a:t>Die</a:t>
+            </a:r>
+            <a:r>
+              <a:rPr kumimoji="0" lang="de-DE" sz="2200" b="0" i="0" u="none" strike="noStrike" kern="1200" cap="none" spc="0" normalizeH="0" noProof="0" dirty="0" smtClean="0">
+                <a:ln>
+                  <a:noFill/>
+                </a:ln>
+                <a:solidFill>
+                  <a:schemeClr val="tx1"/>
+                </a:solidFill>
+                <a:effectLst/>
+                <a:uLnTx/>
+                <a:uFillTx/>
+                <a:latin typeface="+mn-lt"/>
+                <a:ea typeface="+mn-ea"/>
+                <a:cs typeface="+mn-cs"/>
+              </a:rPr>
+              <a:t> Präsentation und die Solution findet Ihr unter:</a:t>
             </a:r>
           </a:p>
           <a:p>
@@ -16516,333 +16516,22 @@
               <a:tabLst/>
               <a:defRPr/>
             </a:pPr>
-            <a:endParaRPr kumimoji="0" lang="de-DE" sz="2200" b="0" i="0" u="none" strike="noStrike" kern="1200" cap="none" spc="0" normalizeH="0" baseline="0" noProof="0" smtClean="0">
-              <a:ln>
-                <a:noFill/>
-              </a:ln>
-              <a:solidFill>
-                <a:schemeClr val="tx1"/>
-              </a:solidFill>
-              <a:effectLst/>
-              <a:uLnTx/>
-              <a:uFillTx/>
-              <a:latin typeface="+mn-lt"/>
-              <a:ea typeface="+mn-ea"/>
-              <a:cs typeface="+mn-cs"/>
-            </a:endParaRPr>
-          </a:p>
-          <a:p>
-            <a:pPr marL="0" marR="0" lvl="0" indent="0" algn="l" defTabSz="914400" rtl="0" eaLnBrk="1" fontAlgn="auto" latinLnBrk="0" hangingPunct="1">
+            <a:endParaRPr lang="de-DE" sz="2200" baseline="0" dirty="0" smtClean="0"/>
+          </a:p>
+          <a:p>
+            <a:pPr lvl="0">
               <a:lnSpc>
                 <a:spcPct val="110000"/>
               </a:lnSpc>
               <a:spcBef>
                 <a:spcPts val="1200"/>
               </a:spcBef>
-              <a:spcAft>
-                <a:spcPts val="0"/>
-              </a:spcAft>
-              <a:buClrTx/>
-              <a:buSzTx/>
-              <a:buFont typeface="Arial" pitchFamily="34" charset="0"/>
-              <a:buNone/>
-              <a:tabLst/>
-              <a:defRPr/>
             </a:pPr>
             <a:r>
-              <a:rPr kumimoji="0" lang="de-DE" sz="2200" b="0" i="0" u="none" strike="noStrike" kern="1200" cap="none" spc="0" normalizeH="0" baseline="0" noProof="0" smtClean="0">
-                <a:ln>
-                  <a:noFill/>
-                </a:ln>
-                <a:solidFill>
-                  <a:schemeClr val="tx1"/>
-                </a:solidFill>
-                <a:effectLst/>
-                <a:uLnTx/>
-                <a:uFillTx/>
-                <a:latin typeface="+mn-lt"/>
-                <a:ea typeface="+mn-ea"/>
-                <a:cs typeface="+mn-cs"/>
-              </a:rPr>
-              <a:t>Im IoC Container werden alle Interfaces die ich nutzen möchte registriert.</a:t>
-            </a:r>
-          </a:p>
-          <a:p>
-            <a:pPr marL="0" marR="0" lvl="0" indent="0" algn="l" defTabSz="914400" rtl="0" eaLnBrk="1" fontAlgn="auto" latinLnBrk="0" hangingPunct="1">
-              <a:lnSpc>
-                <a:spcPct val="110000"/>
-              </a:lnSpc>
-              <a:spcBef>
-                <a:spcPts val="1200"/>
-              </a:spcBef>
-              <a:spcAft>
-                <a:spcPts val="0"/>
-              </a:spcAft>
-              <a:buClrTx/>
-              <a:buSzTx/>
-              <a:buFont typeface="Arial" pitchFamily="34" charset="0"/>
-              <a:buNone/>
-              <a:tabLst/>
-              <a:defRPr/>
-            </a:pPr>
-            <a:endParaRPr kumimoji="0" lang="de-DE" sz="2200" b="0" i="0" u="none" strike="noStrike" kern="1200" cap="none" spc="0" normalizeH="0" baseline="0" noProof="0" smtClean="0">
-              <a:ln>
-                <a:noFill/>
-              </a:ln>
-              <a:solidFill>
-                <a:schemeClr val="tx1"/>
-              </a:solidFill>
-              <a:effectLst/>
-              <a:uLnTx/>
-              <a:uFillTx/>
-              <a:latin typeface="+mn-lt"/>
-              <a:ea typeface="+mn-ea"/>
-              <a:cs typeface="+mn-cs"/>
-            </a:endParaRPr>
-          </a:p>
-          <a:p>
-            <a:pPr marL="0" marR="0" lvl="0" indent="0" algn="l" defTabSz="914400" rtl="0" eaLnBrk="1" fontAlgn="auto" latinLnBrk="0" hangingPunct="1">
-              <a:lnSpc>
-                <a:spcPct val="110000"/>
-              </a:lnSpc>
-              <a:spcBef>
-                <a:spcPts val="1200"/>
-              </a:spcBef>
-              <a:spcAft>
-                <a:spcPts val="0"/>
-              </a:spcAft>
-              <a:buClrTx/>
-              <a:buSzTx/>
-              <a:buFont typeface="Arial" pitchFamily="34" charset="0"/>
-              <a:buNone/>
-              <a:tabLst/>
-              <a:defRPr/>
-            </a:pPr>
-            <a:r>
-              <a:rPr kumimoji="0" lang="de-DE" sz="2200" b="0" i="0" u="none" strike="noStrike" kern="1200" cap="none" spc="0" normalizeH="0" baseline="0" noProof="0" smtClean="0">
-                <a:ln>
-                  <a:noFill/>
-                </a:ln>
-                <a:solidFill>
-                  <a:schemeClr val="tx1"/>
-                </a:solidFill>
-                <a:effectLst/>
-                <a:uLnTx/>
-                <a:uFillTx/>
-                <a:latin typeface="+mn-lt"/>
-                <a:ea typeface="+mn-ea"/>
-                <a:cs typeface="+mn-cs"/>
-              </a:rPr>
-              <a:t>Zusätzlich gebe ich an, welche Klassen verwendet werden müssen um definierte Abhängigkeiten zu bedienen.</a:t>
-            </a:r>
-          </a:p>
-          <a:p>
-            <a:pPr marL="0" marR="0" lvl="0" indent="0" algn="l" defTabSz="914400" rtl="0" eaLnBrk="1" fontAlgn="auto" latinLnBrk="0" hangingPunct="1">
-              <a:lnSpc>
-                <a:spcPct val="110000"/>
-              </a:lnSpc>
-              <a:spcBef>
-                <a:spcPts val="1200"/>
-              </a:spcBef>
-              <a:spcAft>
-                <a:spcPts val="0"/>
-              </a:spcAft>
-              <a:buClrTx/>
-              <a:buSzTx/>
-              <a:buFont typeface="Arial" pitchFamily="34" charset="0"/>
-              <a:buNone/>
-              <a:tabLst/>
-              <a:defRPr/>
-            </a:pPr>
-            <a:endParaRPr kumimoji="0" lang="de-DE" sz="2200" b="0" i="0" u="none" strike="noStrike" kern="1200" cap="none" spc="0" normalizeH="0" baseline="0" noProof="0" smtClean="0">
-              <a:ln>
-                <a:noFill/>
-              </a:ln>
-              <a:solidFill>
-                <a:schemeClr val="tx1"/>
-              </a:solidFill>
-              <a:effectLst/>
-              <a:uLnTx/>
-              <a:uFillTx/>
-              <a:latin typeface="+mn-lt"/>
-              <a:ea typeface="+mn-ea"/>
-              <a:cs typeface="+mn-cs"/>
-            </a:endParaRPr>
-          </a:p>
-          <a:p>
-            <a:pPr marL="0" marR="0" lvl="0" indent="0" algn="l" defTabSz="914400" rtl="0" eaLnBrk="1" fontAlgn="auto" latinLnBrk="0" hangingPunct="1">
-              <a:lnSpc>
-                <a:spcPct val="110000"/>
-              </a:lnSpc>
-              <a:spcBef>
-                <a:spcPts val="1200"/>
-              </a:spcBef>
-              <a:spcAft>
-                <a:spcPts val="0"/>
-              </a:spcAft>
-              <a:buClrTx/>
-              <a:buSzTx/>
-              <a:buFont typeface="Arial" pitchFamily="34" charset="0"/>
-              <a:buNone/>
-              <a:tabLst/>
-              <a:defRPr/>
-            </a:pPr>
-            <a:r>
-              <a:rPr kumimoji="0" lang="de-DE" sz="2200" b="0" i="0" u="none" strike="noStrike" kern="1200" cap="none" spc="0" normalizeH="0" baseline="0" noProof="0" smtClean="0">
-                <a:ln>
-                  <a:noFill/>
-                </a:ln>
-                <a:solidFill>
-                  <a:schemeClr val="tx1"/>
-                </a:solidFill>
-                <a:effectLst/>
-                <a:uLnTx/>
-                <a:uFillTx/>
-                <a:latin typeface="+mn-lt"/>
-                <a:ea typeface="+mn-ea"/>
-                <a:cs typeface="+mn-cs"/>
-              </a:rPr>
-              <a:t>Für das Beispiel heißt das:</a:t>
-            </a:r>
-          </a:p>
-          <a:p>
-            <a:pPr marL="0" marR="0" lvl="0" indent="0" algn="l" defTabSz="914400" rtl="0" eaLnBrk="1" fontAlgn="auto" latinLnBrk="0" hangingPunct="1">
-              <a:lnSpc>
-                <a:spcPct val="110000"/>
-              </a:lnSpc>
-              <a:spcBef>
-                <a:spcPts val="1200"/>
-              </a:spcBef>
-              <a:spcAft>
-                <a:spcPts val="0"/>
-              </a:spcAft>
-              <a:buClrTx/>
-              <a:buSzTx/>
-              <a:buFont typeface="Arial" pitchFamily="34" charset="0"/>
-              <a:buNone/>
-              <a:tabLst/>
-              <a:defRPr/>
-            </a:pPr>
-            <a:r>
-              <a:rPr kumimoji="0" lang="de-DE" sz="2200" b="0" i="0" u="none" strike="noStrike" kern="1200" cap="none" spc="0" normalizeH="0" baseline="0" noProof="0" smtClean="0">
-                <a:ln>
-                  <a:noFill/>
-                </a:ln>
-                <a:solidFill>
-                  <a:schemeClr val="tx1"/>
-                </a:solidFill>
-                <a:effectLst/>
-                <a:uLnTx/>
-                <a:uFillTx/>
-                <a:latin typeface="+mn-lt"/>
-                <a:ea typeface="+mn-ea"/>
-                <a:cs typeface="+mn-cs"/>
-              </a:rPr>
-              <a:t>Registrieren des Interface </a:t>
-            </a:r>
-            <a:r>
-              <a:rPr kumimoji="0" lang="de-DE" sz="2200" b="1" i="0" u="none" strike="noStrike" kern="1200" cap="none" spc="0" normalizeH="0" baseline="0" noProof="0" smtClean="0">
-                <a:ln>
-                  <a:noFill/>
-                </a:ln>
-                <a:solidFill>
-                  <a:schemeClr val="tx1"/>
-                </a:solidFill>
-                <a:effectLst/>
-                <a:uLnTx/>
-                <a:uFillTx/>
-                <a:latin typeface="+mn-lt"/>
-                <a:ea typeface="+mn-ea"/>
-                <a:cs typeface="+mn-cs"/>
-              </a:rPr>
-              <a:t>IBookFinder</a:t>
-            </a:r>
-            <a:r>
-              <a:rPr kumimoji="0" lang="de-DE" sz="2200" b="0" i="0" u="none" strike="noStrike" kern="1200" cap="none" spc="0" normalizeH="0" baseline="0" noProof="0" smtClean="0">
-                <a:ln>
-                  <a:noFill/>
-                </a:ln>
-                <a:solidFill>
-                  <a:schemeClr val="tx1"/>
-                </a:solidFill>
-                <a:effectLst/>
-                <a:uLnTx/>
-                <a:uFillTx/>
-                <a:latin typeface="+mn-lt"/>
-                <a:ea typeface="+mn-ea"/>
-                <a:cs typeface="+mn-cs"/>
-              </a:rPr>
-              <a:t> im Container und angeben, dass eine Instanz der Klasse </a:t>
-            </a:r>
-            <a:r>
-              <a:rPr kumimoji="0" lang="de-DE" sz="2200" b="1" i="0" u="none" strike="noStrike" kern="1200" cap="none" spc="0" normalizeH="0" baseline="0" noProof="0" smtClean="0">
-                <a:ln>
-                  <a:noFill/>
-                </a:ln>
-                <a:solidFill>
-                  <a:schemeClr val="tx1"/>
-                </a:solidFill>
-                <a:effectLst/>
-                <a:uLnTx/>
-                <a:uFillTx/>
-                <a:latin typeface="+mn-lt"/>
-                <a:ea typeface="+mn-ea"/>
-                <a:cs typeface="+mn-cs"/>
-              </a:rPr>
-              <a:t>MyBookFinder</a:t>
-            </a:r>
-            <a:r>
-              <a:rPr kumimoji="0" lang="de-DE" sz="2200" b="0" i="0" u="none" strike="noStrike" kern="1200" cap="none" spc="0" normalizeH="0" baseline="0" noProof="0" smtClean="0">
-                <a:ln>
-                  <a:noFill/>
-                </a:ln>
-                <a:solidFill>
-                  <a:schemeClr val="tx1"/>
-                </a:solidFill>
-                <a:effectLst/>
-                <a:uLnTx/>
-                <a:uFillTx/>
-                <a:latin typeface="+mn-lt"/>
-                <a:ea typeface="+mn-ea"/>
-                <a:cs typeface="+mn-cs"/>
-              </a:rPr>
-              <a:t> erstellt werden soll, wenn die Implementierung des Interface </a:t>
-            </a:r>
-            <a:r>
-              <a:rPr kumimoji="0" lang="de-DE" sz="2200" b="1" i="0" u="none" strike="noStrike" kern="1200" cap="none" spc="0" normalizeH="0" baseline="0" noProof="0" smtClean="0">
-                <a:ln>
-                  <a:noFill/>
-                </a:ln>
-                <a:solidFill>
-                  <a:schemeClr val="tx1"/>
-                </a:solidFill>
-                <a:effectLst/>
-                <a:uLnTx/>
-                <a:uFillTx/>
-                <a:latin typeface="+mn-lt"/>
-                <a:ea typeface="+mn-ea"/>
-                <a:cs typeface="+mn-cs"/>
-              </a:rPr>
-              <a:t>IBookFinder</a:t>
-            </a:r>
-            <a:r>
-              <a:rPr kumimoji="0" lang="de-DE" sz="2200" b="0" i="0" u="none" strike="noStrike" kern="1200" cap="none" spc="0" normalizeH="0" baseline="0" noProof="0" smtClean="0">
-                <a:ln>
-                  <a:noFill/>
-                </a:ln>
-                <a:solidFill>
-                  <a:schemeClr val="tx1"/>
-                </a:solidFill>
-                <a:effectLst/>
-                <a:uLnTx/>
-                <a:uFillTx/>
-                <a:latin typeface="+mn-lt"/>
-                <a:ea typeface="+mn-ea"/>
-                <a:cs typeface="+mn-cs"/>
-              </a:rPr>
-              <a:t> erforderlich ist.</a:t>
-            </a:r>
-            <a:endParaRPr kumimoji="0" lang="de-DE" sz="2200" b="0" i="0" u="none" strike="noStrike" kern="1200" cap="none" spc="0" normalizeH="0" baseline="0" noProof="0" dirty="0">
+              <a:rPr lang="de-DE" sz="1600" dirty="0" smtClean="0"/>
+              <a:t>https://github.com/fischfasch/IoC_Test/tree/master/IoC_Testapplication</a:t>
+            </a:r>
+            <a:endParaRPr kumimoji="0" lang="de-DE" sz="1600" b="0" i="0" u="none" strike="noStrike" kern="1200" cap="none" spc="0" normalizeH="0" baseline="0" noProof="0" dirty="0">
               <a:ln>
                 <a:noFill/>
               </a:ln>

--- a/IoC_Testapplication/ConsoleApplication1/_Files/Präsentation.pptx
+++ b/IoC_Testapplication/ConsoleApplication1/_Files/Präsentation.pptx
@@ -407,7 +407,7 @@
     </p:spTree>
     <p:extLst>
       <p:ext uri="{BB962C8B-B14F-4D97-AF65-F5344CB8AC3E}">
-        <p14:creationId xmlns:p14="http://schemas.microsoft.com/office/powerpoint/2010/main" xmlns="" val="1944292792"/>
+        <p14:creationId xmlns="" xmlns:p14="http://schemas.microsoft.com/office/powerpoint/2010/main" val="1944292792"/>
       </p:ext>
     </p:extLst>
   </p:cSld>
@@ -16030,7 +16030,6 @@
                         <a:rPr lang="de-DE" sz="3000" dirty="0" smtClean="0"/>
                         <a:t>Dateien</a:t>
                       </a:r>
-                      <a:endParaRPr lang="de-DE" sz="3000" dirty="0" smtClean="0"/>
                     </a:p>
                   </a:txBody>
                   <a:tcPr>
@@ -16528,10 +16527,29 @@
               </a:spcBef>
             </a:pPr>
             <a:r>
-              <a:rPr lang="de-DE" sz="1600" dirty="0" smtClean="0"/>
-              <a:t>https://github.com/fischfasch/IoC_Test/tree/master/IoC_Testapplication</a:t>
-            </a:r>
-            <a:endParaRPr kumimoji="0" lang="de-DE" sz="1600" b="0" i="0" u="none" strike="noStrike" kern="1200" cap="none" spc="0" normalizeH="0" baseline="0" noProof="0" dirty="0">
+              <a:rPr lang="de-DE" sz="1600" dirty="0" smtClean="0">
+                <a:hlinkClick r:id="rId2"/>
+              </a:rPr>
+              <a:t>https://</a:t>
+            </a:r>
+            <a:r>
+              <a:rPr lang="de-DE" sz="1600" dirty="0" smtClean="0">
+                <a:hlinkClick r:id="rId2"/>
+              </a:rPr>
+              <a:t>github.com/fischfasch/IoC_Test</a:t>
+            </a:r>
+            <a:endParaRPr lang="de-DE" sz="1600" dirty="0" smtClean="0"/>
+          </a:p>
+          <a:p>
+            <a:pPr lvl="0">
+              <a:lnSpc>
+                <a:spcPct val="110000"/>
+              </a:lnSpc>
+              <a:spcBef>
+                <a:spcPts val="1200"/>
+              </a:spcBef>
+            </a:pPr>
+            <a:endParaRPr kumimoji="0" lang="de-DE" sz="1600" b="0" i="0" u="none" strike="noStrike" kern="1200" cap="none" spc="0" normalizeH="0" baseline="0" noProof="0" dirty="0" smtClean="0">
               <a:ln>
                 <a:noFill/>
               </a:ln>
@@ -16545,6 +16563,138 @@
               <a:ea typeface="+mn-ea"/>
               <a:cs typeface="+mn-cs"/>
             </a:endParaRPr>
+          </a:p>
+          <a:p>
+            <a:pPr lvl="0">
+              <a:lnSpc>
+                <a:spcPct val="110000"/>
+              </a:lnSpc>
+              <a:spcBef>
+                <a:spcPts val="1200"/>
+              </a:spcBef>
+            </a:pPr>
+            <a:r>
+              <a:rPr kumimoji="0" lang="de-DE" sz="2200" b="0" i="0" u="none" strike="noStrike" kern="1200" cap="none" spc="0" normalizeH="0" baseline="0" noProof="0" dirty="0" smtClean="0">
+                <a:ln>
+                  <a:noFill/>
+                </a:ln>
+                <a:solidFill>
+                  <a:schemeClr val="tx1"/>
+                </a:solidFill>
+                <a:effectLst/>
+                <a:uLnTx/>
+                <a:uFillTx/>
+                <a:latin typeface="+mn-lt"/>
+                <a:ea typeface="+mn-ea"/>
+                <a:cs typeface="+mn-cs"/>
+              </a:rPr>
+              <a:t>Einfach die URL aufrufen und Download ZIP klicken</a:t>
+            </a:r>
+          </a:p>
+          <a:p>
+            <a:pPr lvl="0">
+              <a:lnSpc>
+                <a:spcPct val="110000"/>
+              </a:lnSpc>
+              <a:spcBef>
+                <a:spcPts val="1200"/>
+              </a:spcBef>
+            </a:pPr>
+            <a:endParaRPr kumimoji="0" lang="de-DE" sz="2200" b="0" i="0" u="none" strike="noStrike" kern="1200" cap="none" spc="0" normalizeH="0" baseline="0" noProof="0" dirty="0">
+              <a:ln>
+                <a:noFill/>
+              </a:ln>
+              <a:solidFill>
+                <a:schemeClr val="tx1"/>
+              </a:solidFill>
+              <a:effectLst/>
+              <a:uLnTx/>
+              <a:uFillTx/>
+              <a:latin typeface="+mn-lt"/>
+              <a:ea typeface="+mn-ea"/>
+              <a:cs typeface="+mn-cs"/>
+            </a:endParaRPr>
+          </a:p>
+        </p:txBody>
+      </p:sp>
+      <p:pic>
+        <p:nvPicPr>
+          <p:cNvPr id="1026" name="Picture 2"/>
+          <p:cNvPicPr>
+            <a:picLocks noChangeAspect="1" noChangeArrowheads="1"/>
+          </p:cNvPicPr>
+          <p:nvPr/>
+        </p:nvPicPr>
+        <p:blipFill>
+          <a:blip r:embed="rId3" cstate="print"/>
+          <a:srcRect/>
+          <a:stretch>
+            <a:fillRect/>
+          </a:stretch>
+        </p:blipFill>
+        <p:spPr bwMode="auto">
+          <a:xfrm>
+            <a:off x="1115616" y="3789040"/>
+            <a:ext cx="6336704" cy="2607447"/>
+          </a:xfrm>
+          <a:prstGeom prst="rect">
+            <a:avLst/>
+          </a:prstGeom>
+          <a:noFill/>
+          <a:ln w="9525">
+            <a:noFill/>
+            <a:miter lim="800000"/>
+            <a:headEnd/>
+            <a:tailEnd/>
+          </a:ln>
+        </p:spPr>
+      </p:pic>
+      <p:sp>
+        <p:nvSpPr>
+          <p:cNvPr id="10" name="Rechteck 9"/>
+          <p:cNvSpPr/>
+          <p:nvPr/>
+        </p:nvSpPr>
+        <p:spPr>
+          <a:xfrm>
+            <a:off x="6012160" y="6021288"/>
+            <a:ext cx="1368152" cy="456051"/>
+          </a:xfrm>
+          <a:prstGeom prst="rect">
+            <a:avLst/>
+          </a:prstGeom>
+          <a:noFill/>
+          <a:ln w="38100">
+            <a:solidFill>
+              <a:srgbClr val="FF0000"/>
+            </a:solidFill>
+          </a:ln>
+          <a:effectLst/>
+        </p:spPr>
+        <p:style>
+          <a:lnRef idx="1">
+            <a:schemeClr val="accent1"/>
+          </a:lnRef>
+          <a:fillRef idx="2">
+            <a:schemeClr val="accent1"/>
+          </a:fillRef>
+          <a:effectRef idx="1">
+            <a:schemeClr val="accent1"/>
+          </a:effectRef>
+          <a:fontRef idx="minor">
+            <a:schemeClr val="dk1"/>
+          </a:fontRef>
+        </p:style>
+        <p:txBody>
+          <a:bodyPr rtlCol="0" anchor="ctr"/>
+          <a:lstStyle/>
+          <a:p>
+            <a:pPr algn="ctr">
+              <a:lnSpc>
+                <a:spcPct val="110000"/>
+              </a:lnSpc>
+            </a:pPr>
+            <a:endParaRPr lang="de-DE" sz="1600" smtClean="0"/>
           </a:p>
         </p:txBody>
       </p:sp>

--- a/IoC_Testapplication/ConsoleApplication1/_Files/Präsentation.pptx
+++ b/IoC_Testapplication/ConsoleApplication1/_Files/Präsentation.pptx
@@ -236,7 +236,7 @@
             <a:fld id="{0FF35D2F-150C-46D0-933B-5DDD9E2CC003}" type="datetimeFigureOut">
               <a:rPr lang="de-DE" smtClean="0"/>
               <a:pPr/>
-              <a:t>24.08.2014</a:t>
+              <a:t>27.08.2014</a:t>
             </a:fld>
             <a:endParaRPr lang="de-DE"/>
           </a:p>
@@ -753,7 +753,7 @@
             <a:fld id="{9D83F159-C47E-4033-A4F1-CE79575269D2}" type="datetime3">
               <a:rPr lang="de-DE" smtClean="0"/>
               <a:pPr/>
-              <a:t>24/08/14</a:t>
+              <a:t>27/08/14</a:t>
             </a:fld>
             <a:endParaRPr lang="de-DE"/>
           </a:p>
@@ -848,7 +848,7 @@
             <a:fld id="{D360FCC8-0ED7-4612-A4E5-D7880F8808E1}" type="datetime3">
               <a:rPr lang="de-DE" smtClean="0"/>
               <a:pPr/>
-              <a:t>24/08/14</a:t>
+              <a:t>27/08/14</a:t>
             </a:fld>
             <a:endParaRPr lang="de-DE"/>
           </a:p>
@@ -1060,7 +1060,7 @@
             <a:fld id="{D360FCC8-0ED7-4612-A4E5-D7880F8808E1}" type="datetime3">
               <a:rPr lang="de-DE" smtClean="0"/>
               <a:pPr/>
-              <a:t>24/08/14</a:t>
+              <a:t>27/08/14</a:t>
             </a:fld>
             <a:endParaRPr lang="de-DE"/>
           </a:p>
@@ -1284,7 +1284,7 @@
             <a:fld id="{F3A12A8D-EA3A-4095-9C4C-C7BECEEB4E5E}" type="datetime3">
               <a:rPr lang="de-DE" smtClean="0"/>
               <a:pPr/>
-              <a:t>24/08/14</a:t>
+              <a:t>27/08/14</a:t>
             </a:fld>
             <a:endParaRPr lang="de-DE"/>
           </a:p>
@@ -1517,7 +1517,7 @@
             <a:fld id="{C9264633-D057-4C84-83F6-EEFD37EFE811}" type="datetime3">
               <a:rPr lang="de-DE" smtClean="0"/>
               <a:pPr/>
-              <a:t>24/08/14</a:t>
+              <a:t>27/08/14</a:t>
             </a:fld>
             <a:endParaRPr lang="de-DE"/>
           </a:p>
@@ -1668,7 +1668,7 @@
             <a:fld id="{329CD16E-AC1F-4274-AC97-2E5FA7A79D20}" type="datetime3">
               <a:rPr lang="de-DE" smtClean="0"/>
               <a:pPr/>
-              <a:t>24/08/14</a:t>
+              <a:t>27/08/14</a:t>
             </a:fld>
             <a:endParaRPr lang="de-DE"/>
           </a:p>
@@ -1835,7 +1835,7 @@
             <a:fld id="{A85F1A8D-E58F-4ADA-A76D-157B3477828C}" type="datetime3">
               <a:rPr lang="de-DE" smtClean="0"/>
               <a:pPr/>
-              <a:t>24/08/14</a:t>
+              <a:t>27/08/14</a:t>
             </a:fld>
             <a:endParaRPr lang="de-DE"/>
           </a:p>
@@ -2002,7 +2002,7 @@
             <a:fld id="{F3C938D9-1BED-4239-AC5F-D2A2CD64F7FB}" type="datetime3">
               <a:rPr lang="de-DE" smtClean="0"/>
               <a:pPr/>
-              <a:t>24/08/14</a:t>
+              <a:t>27/08/14</a:t>
             </a:fld>
             <a:endParaRPr lang="de-DE"/>
           </a:p>
@@ -2169,7 +2169,7 @@
             <a:fld id="{DC52E528-897C-4D67-BC8F-1D3657B99E4F}" type="datetime3">
               <a:rPr lang="de-DE" smtClean="0"/>
               <a:pPr/>
-              <a:t>24/08/14</a:t>
+              <a:t>27/08/14</a:t>
             </a:fld>
             <a:endParaRPr lang="de-DE"/>
           </a:p>
@@ -2440,7 +2440,7 @@
             <a:fld id="{F85B3436-FC62-4471-88F2-F550A45A1CA7}" type="datetime3">
               <a:rPr lang="de-DE" smtClean="0"/>
               <a:pPr/>
-              <a:t>24/08/14</a:t>
+              <a:t>27/08/14</a:t>
             </a:fld>
             <a:endParaRPr lang="de-DE"/>
           </a:p>
@@ -2778,7 +2778,7 @@
             <a:fld id="{9D83F159-C47E-4033-A4F1-CE79575269D2}" type="datetime3">
               <a:rPr lang="de-DE" smtClean="0"/>
               <a:pPr/>
-              <a:t>24/08/14</a:t>
+              <a:t>27/08/14</a:t>
             </a:fld>
             <a:endParaRPr lang="de-DE"/>
           </a:p>
@@ -2905,7 +2905,7 @@
             <a:fld id="{778CCB05-75E7-4729-A4D4-2EE2C8B03EF9}" type="datetime3">
               <a:rPr lang="de-DE" smtClean="0"/>
               <a:pPr/>
-              <a:t>24/08/14</a:t>
+              <a:t>27/08/14</a:t>
             </a:fld>
             <a:endParaRPr lang="de-DE"/>
           </a:p>
@@ -3180,7 +3180,7 @@
             <a:fld id="{DDD5DF9F-205E-44B1-AB46-484E2C7FA4A6}" type="datetime3">
               <a:rPr lang="de-DE" smtClean="0"/>
               <a:pPr/>
-              <a:t>24/08/14</a:t>
+              <a:t>27/08/14</a:t>
             </a:fld>
             <a:endParaRPr lang="de-DE"/>
           </a:p>
@@ -3413,7 +3413,7 @@
             <a:fld id="{08C84D70-3E7C-4F9F-94A1-CA18B2D8FCAC}" type="datetime3">
               <a:rPr lang="de-DE" smtClean="0"/>
               <a:pPr/>
-              <a:t>24/08/14</a:t>
+              <a:t>27/08/14</a:t>
             </a:fld>
             <a:endParaRPr lang="de-DE"/>
           </a:p>
@@ -3682,7 +3682,7 @@
             <a:fld id="{4A35ABEB-3A4D-43C3-941B-84D9D634F8CB}" type="datetime3">
               <a:rPr lang="de-DE" smtClean="0"/>
               <a:pPr/>
-              <a:t>24/08/14</a:t>
+              <a:t>27/08/14</a:t>
             </a:fld>
             <a:endParaRPr lang="de-DE"/>
           </a:p>
@@ -3951,7 +3951,7 @@
             <a:fld id="{5A261954-15CD-4C81-ADE5-16F601E16188}" type="datetime3">
               <a:rPr lang="de-DE" smtClean="0"/>
               <a:pPr/>
-              <a:t>24/08/14</a:t>
+              <a:t>27/08/14</a:t>
             </a:fld>
             <a:endParaRPr lang="de-DE"/>
           </a:p>
@@ -5181,7 +5181,7 @@
             <a:fld id="{82EC7B33-2D3A-44B6-B33D-894E293BD3DD}" type="datetime3">
               <a:rPr lang="de-DE" smtClean="0"/>
               <a:pPr/>
-              <a:t>24/08/14</a:t>
+              <a:t>27/08/14</a:t>
             </a:fld>
             <a:endParaRPr lang="de-DE"/>
           </a:p>
@@ -5492,7 +5492,7 @@
             <a:fld id="{71605ED8-C06B-4E84-8081-A9D9C8B6EA18}" type="datetime3">
               <a:rPr lang="de-DE" smtClean="0"/>
               <a:pPr/>
-              <a:t>24/08/14</a:t>
+              <a:t>27/08/14</a:t>
             </a:fld>
             <a:endParaRPr lang="de-DE"/>
           </a:p>
@@ -5927,7 +5927,7 @@
             <a:fld id="{65F23F91-9F1B-4AE5-B0A6-1E4627476BC9}" type="datetime3">
               <a:rPr lang="de-DE" smtClean="0"/>
               <a:pPr/>
-              <a:t>24/08/14</a:t>
+              <a:t>27/08/14</a:t>
             </a:fld>
             <a:endParaRPr lang="de-DE"/>
           </a:p>
@@ -6208,7 +6208,7 @@
             <a:fld id="{5D362D0D-2A36-460F-83D4-166912611943}" type="datetime3">
               <a:rPr lang="de-DE" smtClean="0"/>
               <a:pPr/>
-              <a:t>24/08/14</a:t>
+              <a:t>27/08/14</a:t>
             </a:fld>
             <a:endParaRPr lang="de-DE"/>
           </a:p>
@@ -6347,7 +6347,7 @@
             <a:fld id="{4C91E6EA-0A6B-4301-9322-F77DBC4CEAEC}" type="datetime3">
               <a:rPr lang="de-DE" smtClean="0"/>
               <a:pPr/>
-              <a:t>24/08/14</a:t>
+              <a:t>27/08/14</a:t>
             </a:fld>
             <a:endParaRPr lang="de-DE"/>
           </a:p>
@@ -6855,7 +6855,7 @@
             <a:fld id="{1A8CCCC9-EC42-4828-AEE8-5485002C4630}" type="datetime3">
               <a:rPr lang="de-DE" smtClean="0"/>
               <a:pPr/>
-              <a:t>24/08/14</a:t>
+              <a:t>27/08/14</a:t>
             </a:fld>
             <a:endParaRPr lang="de-DE"/>
           </a:p>
@@ -7919,7 +7919,7 @@
             <a:fld id="{41631969-D607-49D3-AB8A-260CCF6D3158}" type="datetime3">
               <a:rPr lang="de-DE" smtClean="0"/>
               <a:pPr/>
-              <a:t>24/08/14</a:t>
+              <a:t>27/08/14</a:t>
             </a:fld>
             <a:endParaRPr lang="de-DE"/>
           </a:p>
@@ -8484,7 +8484,7 @@
             <a:fld id="{9D83F159-C47E-4033-A4F1-CE79575269D2}" type="datetime3">
               <a:rPr lang="de-DE" smtClean="0"/>
               <a:pPr/>
-              <a:t>24/08/14</a:t>
+              <a:t>27/08/14</a:t>
             </a:fld>
             <a:endParaRPr lang="de-DE"/>
           </a:p>
@@ -8536,7 +8536,7 @@
             <a:fld id="{1A8CCCC9-EC42-4828-AEE8-5485002C4630}" type="datetime3">
               <a:rPr lang="de-DE" smtClean="0"/>
               <a:pPr/>
-              <a:t>24/08/14</a:t>
+              <a:t>27/08/14</a:t>
             </a:fld>
             <a:endParaRPr lang="de-DE"/>
           </a:p>
@@ -8958,7 +8958,7 @@
             <a:fld id="{72B805AB-6570-4223-88EA-9B639C0B48FC}" type="datetime3">
               <a:rPr lang="de-DE" smtClean="0"/>
               <a:pPr/>
-              <a:t>24/08/14</a:t>
+              <a:t>27/08/14</a:t>
             </a:fld>
             <a:endParaRPr lang="de-DE"/>
           </a:p>
@@ -9064,7 +9064,7 @@
             <a:fld id="{1A8CCCC9-EC42-4828-AEE8-5485002C4630}" type="datetime3">
               <a:rPr lang="de-DE" smtClean="0"/>
               <a:pPr/>
-              <a:t>24/08/14</a:t>
+              <a:t>27/08/14</a:t>
             </a:fld>
             <a:endParaRPr lang="de-DE"/>
           </a:p>
@@ -9325,7 +9325,7 @@
             <a:fld id="{1A8CCCC9-EC42-4828-AEE8-5485002C4630}" type="datetime3">
               <a:rPr lang="de-DE" smtClean="0"/>
               <a:pPr/>
-              <a:t>24/08/14</a:t>
+              <a:t>27/08/14</a:t>
             </a:fld>
             <a:endParaRPr lang="de-DE"/>
           </a:p>
@@ -9508,7 +9508,7 @@
             <a:fld id="{1A8CCCC9-EC42-4828-AEE8-5485002C4630}" type="datetime3">
               <a:rPr lang="de-DE" smtClean="0"/>
               <a:pPr/>
-              <a:t>24/08/14</a:t>
+              <a:t>27/08/14</a:t>
             </a:fld>
             <a:endParaRPr lang="de-DE"/>
           </a:p>
@@ -9691,7 +9691,7 @@
             <a:fld id="{1A8CCCC9-EC42-4828-AEE8-5485002C4630}" type="datetime3">
               <a:rPr lang="de-DE" smtClean="0"/>
               <a:pPr/>
-              <a:t>24/08/14</a:t>
+              <a:t>27/08/14</a:t>
             </a:fld>
             <a:endParaRPr lang="de-DE"/>
           </a:p>
@@ -9858,7 +9858,7 @@
             <a:fld id="{1A8CCCC9-EC42-4828-AEE8-5485002C4630}" type="datetime3">
               <a:rPr lang="de-DE" smtClean="0"/>
               <a:pPr/>
-              <a:t>24/08/14</a:t>
+              <a:t>27/08/14</a:t>
             </a:fld>
             <a:endParaRPr lang="de-DE"/>
           </a:p>
@@ -9942,7 +9942,23 @@
             <a:pPr marL="450850" indent="-450850"/>
             <a:r>
               <a:rPr lang="de-DE" dirty="0" smtClean="0"/>
-              <a:t>	Besagt, dass Interfaces die sehr groß sind auf kleinere Interfaces aufgeteilt werden sollen.</a:t>
+              <a:t>	Besagt, dass </a:t>
+            </a:r>
+            <a:r>
+              <a:rPr lang="de-DE" dirty="0" smtClean="0"/>
+              <a:t>Interfaces, </a:t>
+            </a:r>
+            <a:r>
+              <a:rPr lang="de-DE" dirty="0" smtClean="0"/>
+              <a:t>die sehr groß </a:t>
+            </a:r>
+            <a:r>
+              <a:rPr lang="de-DE" dirty="0" smtClean="0"/>
+              <a:t>sind, </a:t>
+            </a:r>
+            <a:r>
+              <a:rPr lang="de-DE" dirty="0" smtClean="0"/>
+              <a:t>auf kleinere Interfaces aufgeteilt werden sollen.</a:t>
             </a:r>
           </a:p>
           <a:p>
@@ -10039,7 +10055,7 @@
             <a:fld id="{1A8CCCC9-EC42-4828-AEE8-5485002C4630}" type="datetime3">
               <a:rPr lang="de-DE" smtClean="0"/>
               <a:pPr/>
-              <a:t>24/08/14</a:t>
+              <a:t>27/08/14</a:t>
             </a:fld>
             <a:endParaRPr lang="de-DE"/>
           </a:p>
@@ -10128,7 +10144,15 @@
             <a:pPr marL="450850" indent="-450850"/>
             <a:r>
               <a:rPr lang="de-DE" dirty="0" smtClean="0"/>
-              <a:t>	Module höhere Ebene sollen nicht von Modulen niedrigerer Ebene abhängig sein. Beide sollten von Abstraktionen abhängen.</a:t>
+              <a:t>	Module </a:t>
+            </a:r>
+            <a:r>
+              <a:rPr lang="de-DE" dirty="0" smtClean="0"/>
+              <a:t>höherer </a:t>
+            </a:r>
+            <a:r>
+              <a:rPr lang="de-DE" dirty="0" smtClean="0"/>
+              <a:t>Ebene sollen nicht von Modulen niedrigerer Ebene abhängig sein. Beide sollten von Abstraktionen abhängen.</a:t>
             </a:r>
           </a:p>
           <a:p>
@@ -10225,7 +10249,7 @@
             <a:fld id="{1A8CCCC9-EC42-4828-AEE8-5485002C4630}" type="datetime3">
               <a:rPr lang="de-DE" smtClean="0"/>
               <a:pPr/>
-              <a:t>24/08/14</a:t>
+              <a:t>27/08/14</a:t>
             </a:fld>
             <a:endParaRPr lang="de-DE"/>
           </a:p>
@@ -10632,7 +10656,7 @@
             <a:fld id="{72B805AB-6570-4223-88EA-9B639C0B48FC}" type="datetime3">
               <a:rPr lang="de-DE" smtClean="0"/>
               <a:pPr/>
-              <a:t>24/08/14</a:t>
+              <a:t>27/08/14</a:t>
             </a:fld>
             <a:endParaRPr lang="de-DE"/>
           </a:p>
@@ -11424,7 +11448,7 @@
             <a:fld id="{72B805AB-6570-4223-88EA-9B639C0B48FC}" type="datetime3">
               <a:rPr lang="de-DE" smtClean="0"/>
               <a:pPr/>
-              <a:t>24/08/14</a:t>
+              <a:t>27/08/14</a:t>
             </a:fld>
             <a:endParaRPr lang="de-DE"/>
           </a:p>
@@ -11530,7 +11554,7 @@
             <a:fld id="{1A8CCCC9-EC42-4828-AEE8-5485002C4630}" type="datetime3">
               <a:rPr lang="de-DE" smtClean="0"/>
               <a:pPr/>
-              <a:t>24/08/14</a:t>
+              <a:t>27/08/14</a:t>
             </a:fld>
             <a:endParaRPr lang="de-DE"/>
           </a:p>
@@ -11778,7 +11802,7 @@
             <a:fld id="{1A8CCCC9-EC42-4828-AEE8-5485002C4630}" type="datetime3">
               <a:rPr lang="de-DE" smtClean="0"/>
               <a:pPr/>
-              <a:t>24/08/14</a:t>
+              <a:t>27/08/14</a:t>
             </a:fld>
             <a:endParaRPr lang="de-DE"/>
           </a:p>
@@ -11856,16 +11880,29 @@
             </a:r>
             <a:r>
               <a:rPr lang="de-DE" dirty="0" smtClean="0"/>
-              <a:t> wollen wir erreichen, dass Komponenten so wenig abhängig voneinander sind wie möglich.</a:t>
-            </a:r>
-          </a:p>
-          <a:p>
+              <a:t> wollen wir erreichen, dass Komponenten so wenig </a:t>
+            </a:r>
+            <a:r>
+              <a:rPr lang="de-DE" dirty="0" smtClean="0"/>
+              <a:t>wie möglich voneinander abhängig sind.</a:t>
+            </a:r>
             <a:endParaRPr lang="de-DE" dirty="0" smtClean="0"/>
           </a:p>
           <a:p>
-            <a:r>
-              <a:rPr lang="de-DE" dirty="0" smtClean="0"/>
-              <a:t>Idealerweise wissen die einzelnen Komponenten nicht voneinander.</a:t>
+            <a:endParaRPr lang="de-DE" dirty="0" smtClean="0"/>
+          </a:p>
+          <a:p>
+            <a:r>
+              <a:rPr lang="de-DE" dirty="0" smtClean="0"/>
+              <a:t>Idealerweise wissen die einzelnen Komponenten </a:t>
+            </a:r>
+            <a:r>
+              <a:rPr lang="de-DE" dirty="0" smtClean="0"/>
+              <a:t>nichts </a:t>
+            </a:r>
+            <a:r>
+              <a:rPr lang="de-DE" dirty="0" smtClean="0"/>
+              <a:t>voneinander.</a:t>
             </a:r>
           </a:p>
           <a:p>
@@ -11961,7 +11998,7 @@
             <a:fld id="{1A8CCCC9-EC42-4828-AEE8-5485002C4630}" type="datetime3">
               <a:rPr lang="de-DE" smtClean="0"/>
               <a:pPr/>
-              <a:t>24/08/14</a:t>
+              <a:t>27/08/14</a:t>
             </a:fld>
             <a:endParaRPr lang="de-DE"/>
           </a:p>
@@ -12323,7 +12360,24 @@
                 <a:ea typeface="+mn-ea"/>
                 <a:cs typeface="+mn-cs"/>
               </a:rPr>
-              <a:t> der Klassen hart Codiert</a:t>
+              <a:t> der Klassen hart </a:t>
+            </a:r>
+            <a:r>
+              <a:rPr kumimoji="0" lang="de-DE" sz="2200" b="0" i="0" u="none" strike="noStrike" kern="1200" cap="none" spc="0" normalizeH="0" noProof="0" dirty="0" smtClean="0">
+                <a:ln>
+                  <a:noFill/>
+                </a:ln>
+                <a:solidFill>
+                  <a:schemeClr val="tx1"/>
+                </a:solidFill>
+                <a:effectLst/>
+                <a:uLnTx/>
+                <a:uFillTx/>
+                <a:latin typeface="+mn-lt"/>
+                <a:ea typeface="+mn-ea"/>
+                <a:cs typeface="+mn-cs"/>
+              </a:rPr>
+              <a:t>codiert</a:t>
             </a:r>
             <a:r>
               <a:rPr lang="de-DE" sz="2200" dirty="0" smtClean="0"/>
@@ -12399,6 +12453,14 @@
               <a:t>Zur </a:t>
             </a:r>
             <a:r>
+              <a:rPr lang="de-DE" sz="2200" noProof="0" dirty="0" err="1" smtClean="0"/>
+              <a:t>Compile</a:t>
+            </a:r>
+            <a:r>
+              <a:rPr lang="de-DE" sz="2200" dirty="0" smtClean="0"/>
+              <a:t>-Z</a:t>
+            </a:r>
+            <a:r>
               <a:rPr kumimoji="0" lang="de-DE" sz="2200" b="0" i="0" u="none" strike="noStrike" kern="1200" cap="none" spc="0" normalizeH="0" baseline="0" noProof="0" dirty="0" err="1" smtClean="0">
                 <a:ln>
                   <a:noFill/>
@@ -12413,7 +12475,7 @@
                 <a:ea typeface="+mn-ea"/>
                 <a:cs typeface="+mn-cs"/>
               </a:rPr>
-              <a:t>Kompilezeit</a:t>
+              <a:t>eit</a:t>
             </a:r>
             <a:r>
               <a:rPr kumimoji="0" lang="de-DE" sz="2200" b="0" i="0" u="none" strike="noStrike" kern="1200" cap="none" spc="0" normalizeH="0" baseline="0" noProof="0" dirty="0" smtClean="0">
@@ -12430,7 +12492,24 @@
                 <a:ea typeface="+mn-ea"/>
                 <a:cs typeface="+mn-cs"/>
               </a:rPr>
-              <a:t> wird schon festgelegt, welche Interaktionen unter den Objekten bestehen.</a:t>
+              <a:t> </a:t>
+            </a:r>
+            <a:r>
+              <a:rPr kumimoji="0" lang="de-DE" sz="2200" b="0" i="0" u="none" strike="noStrike" kern="1200" cap="none" spc="0" normalizeH="0" baseline="0" noProof="0" dirty="0" smtClean="0">
+                <a:ln>
+                  <a:noFill/>
+                </a:ln>
+                <a:solidFill>
+                  <a:schemeClr val="tx1"/>
+                </a:solidFill>
+                <a:effectLst/>
+                <a:uLnTx/>
+                <a:uFillTx/>
+                <a:latin typeface="+mn-lt"/>
+                <a:ea typeface="+mn-ea"/>
+                <a:cs typeface="+mn-cs"/>
+              </a:rPr>
+              <a:t>wird schon festgelegt, welche Interaktionen unter den Objekten bestehen.</a:t>
             </a:r>
           </a:p>
           <a:p>
@@ -12603,7 +12682,7 @@
             <a:fld id="{D360FCC8-0ED7-4612-A4E5-D7880F8808E1}" type="datetime3">
               <a:rPr lang="de-DE" smtClean="0"/>
               <a:pPr/>
-              <a:t>24/08/14</a:t>
+              <a:t>27/08/14</a:t>
             </a:fld>
             <a:endParaRPr lang="de-DE"/>
           </a:p>
@@ -12673,7 +12752,23 @@
           <a:p>
             <a:r>
               <a:rPr lang="de-DE" dirty="0" smtClean="0"/>
-              <a:t>Eine neue Anforderung könnte z.B. Sein, dass die Bücher nicht in einer hart codierten Liste stehen sondern aus der DB kommen.</a:t>
+              <a:t>Eine neue Anforderung könnte z.B. </a:t>
+            </a:r>
+            <a:r>
+              <a:rPr lang="de-DE" dirty="0" smtClean="0"/>
+              <a:t>sein</a:t>
+            </a:r>
+            <a:r>
+              <a:rPr lang="de-DE" dirty="0" smtClean="0"/>
+              <a:t>, dass die Bücher nicht in einer hart codierten Liste </a:t>
+            </a:r>
+            <a:r>
+              <a:rPr lang="de-DE" dirty="0" smtClean="0"/>
+              <a:t>stehen, </a:t>
+            </a:r>
+            <a:r>
+              <a:rPr lang="de-DE" dirty="0" smtClean="0"/>
+              <a:t>sondern aus der DB kommen.</a:t>
             </a:r>
           </a:p>
           <a:p>
@@ -12689,12 +12784,12 @@
               <a:t> ist auch nicht gegeben, da man immer gegen </a:t>
             </a:r>
             <a:r>
-              <a:rPr lang="de-DE" dirty="0" err="1" smtClean="0"/>
-              <a:t>gegen</a:t>
-            </a:r>
-            <a:r>
-              <a:rPr lang="de-DE" dirty="0" smtClean="0"/>
-              <a:t> konkrete Instanzen testen müsste.</a:t>
+              <a:rPr lang="de-DE" dirty="0" smtClean="0"/>
+              <a:t>konkrete </a:t>
+            </a:r>
+            <a:r>
+              <a:rPr lang="de-DE" dirty="0" smtClean="0"/>
+              <a:t>Instanzen testen müsste.</a:t>
             </a:r>
             <a:endParaRPr lang="de-DE" dirty="0"/>
           </a:p>
@@ -12781,7 +12876,7 @@
             <a:fld id="{D360FCC8-0ED7-4612-A4E5-D7880F8808E1}" type="datetime3">
               <a:rPr lang="de-DE" smtClean="0"/>
               <a:pPr/>
-              <a:t>24/08/14</a:t>
+              <a:t>27/08/14</a:t>
             </a:fld>
             <a:endParaRPr lang="de-DE"/>
           </a:p>
@@ -13196,7 +13291,24 @@
                 <a:ea typeface="+mn-ea"/>
                 <a:cs typeface="+mn-cs"/>
               </a:rPr>
-              <a:t>Mit einführendes Interfaces </a:t>
+              <a:t>Mit dem Einführen des </a:t>
+            </a:r>
+            <a:r>
+              <a:rPr kumimoji="0" lang="de-DE" sz="2200" b="0" i="0" u="none" strike="noStrike" kern="1200" cap="none" spc="0" normalizeH="0" baseline="0" noProof="0" dirty="0" smtClean="0">
+                <a:ln>
+                  <a:noFill/>
+                </a:ln>
+                <a:solidFill>
+                  <a:schemeClr val="tx1"/>
+                </a:solidFill>
+                <a:effectLst/>
+                <a:uLnTx/>
+                <a:uFillTx/>
+                <a:latin typeface="+mn-lt"/>
+                <a:ea typeface="+mn-ea"/>
+                <a:cs typeface="+mn-cs"/>
+              </a:rPr>
+              <a:t>Interfaces </a:t>
             </a:r>
             <a:r>
               <a:rPr kumimoji="0" lang="de-DE" sz="2200" b="1" i="0" u="none" strike="noStrike" kern="1200" cap="none" spc="0" normalizeH="0" baseline="0" noProof="0" dirty="0" err="1" smtClean="0">
@@ -13622,7 +13734,7 @@
             <a:fld id="{72B805AB-6570-4223-88EA-9B639C0B48FC}" type="datetime3">
               <a:rPr lang="de-DE" smtClean="0"/>
               <a:pPr/>
-              <a:t>24/08/14</a:t>
+              <a:t>27/08/14</a:t>
             </a:fld>
             <a:endParaRPr lang="de-DE"/>
           </a:p>
@@ -13728,7 +13840,7 @@
             <a:fld id="{D360FCC8-0ED7-4612-A4E5-D7880F8808E1}" type="datetime3">
               <a:rPr lang="de-DE" smtClean="0"/>
               <a:pPr/>
-              <a:t>24/08/14</a:t>
+              <a:t>27/08/14</a:t>
             </a:fld>
             <a:endParaRPr lang="de-DE"/>
           </a:p>
@@ -13823,7 +13935,23 @@
           <a:p>
             <a:r>
               <a:rPr lang="de-DE" dirty="0" smtClean="0"/>
-              <a:t>Im vorangegangen Beispiel gibt es noch ein Problem, auch bei der Verwendung des Interfaces müssen wir mit </a:t>
+              <a:t>Im vorangegangen Beispiel gibt es noch ein </a:t>
+            </a:r>
+            <a:r>
+              <a:rPr lang="de-DE" dirty="0" smtClean="0"/>
+              <a:t>Problem: </a:t>
+            </a:r>
+            <a:r>
+              <a:rPr lang="de-DE" dirty="0" smtClean="0"/>
+              <a:t>A</a:t>
+            </a:r>
+            <a:r>
+              <a:rPr lang="de-DE" dirty="0" smtClean="0"/>
+              <a:t>uch </a:t>
+            </a:r>
+            <a:r>
+              <a:rPr lang="de-DE" dirty="0" smtClean="0"/>
+              <a:t>bei der Verwendung des Interfaces müssen wir mit </a:t>
             </a:r>
             <a:r>
               <a:rPr lang="de-DE" b="1" dirty="0" err="1" smtClean="0"/>
@@ -13951,7 +14079,7 @@
             <a:fld id="{D360FCC8-0ED7-4612-A4E5-D7880F8808E1}" type="datetime3">
               <a:rPr lang="de-DE" smtClean="0"/>
               <a:pPr/>
-              <a:t>24/08/14</a:t>
+              <a:t>27/08/14</a:t>
             </a:fld>
             <a:endParaRPr lang="de-DE"/>
           </a:p>
@@ -14404,7 +14532,7 @@
             <a:fld id="{D360FCC8-0ED7-4612-A4E5-D7880F8808E1}" type="datetime3">
               <a:rPr lang="de-DE" smtClean="0"/>
               <a:pPr/>
-              <a:t>24/08/14</a:t>
+              <a:t>27/08/14</a:t>
             </a:fld>
             <a:endParaRPr lang="de-DE"/>
           </a:p>
@@ -14476,7 +14604,31 @@
           <a:p>
             <a:r>
               <a:rPr lang="de-DE" dirty="0" smtClean="0"/>
-              <a:t>Ziel muss es sein, Objekte zu bekommen die Interfaces implementieren ohne das Objekt direkt zu erstellen.</a:t>
+              <a:t>Ziel muss es </a:t>
+            </a:r>
+            <a:r>
+              <a:rPr lang="de-DE" dirty="0" smtClean="0"/>
+              <a:t>sein </a:t>
+            </a:r>
+            <a:r>
+              <a:rPr lang="de-DE" dirty="0" smtClean="0"/>
+              <a:t>Objekte zu </a:t>
+            </a:r>
+            <a:r>
+              <a:rPr lang="de-DE" dirty="0" smtClean="0"/>
+              <a:t>bekommen, </a:t>
+            </a:r>
+            <a:r>
+              <a:rPr lang="de-DE" dirty="0" smtClean="0"/>
+              <a:t>die Interfaces </a:t>
+            </a:r>
+            <a:r>
+              <a:rPr lang="de-DE" dirty="0" smtClean="0"/>
+              <a:t>implementieren, </a:t>
+            </a:r>
+            <a:r>
+              <a:rPr lang="de-DE" dirty="0" smtClean="0"/>
+              <a:t>ohne das Objekt direkt zu erstellen.</a:t>
             </a:r>
           </a:p>
           <a:p>
@@ -14530,7 +14682,23 @@
           <a:p>
             <a:r>
               <a:rPr lang="de-DE" dirty="0" smtClean="0"/>
-              <a:t>	2. Injizieren der Abhängigkeiten die von der 	 	   Klasse </a:t>
+              <a:t>	2. Injizieren der </a:t>
+            </a:r>
+            <a:r>
+              <a:rPr lang="de-DE" dirty="0" smtClean="0"/>
+              <a:t>Abhängigkeiten, </a:t>
+            </a:r>
+            <a:r>
+              <a:rPr lang="de-DE" dirty="0" smtClean="0"/>
+              <a:t>die von der </a:t>
+            </a:r>
+            <a:r>
+              <a:rPr lang="de-DE" dirty="0" smtClean="0"/>
+              <a:t>	   </a:t>
+            </a:r>
+            <a:r>
+              <a:rPr lang="de-DE" dirty="0" smtClean="0"/>
+              <a:t>Klasse </a:t>
             </a:r>
             <a:r>
               <a:rPr lang="de-DE" b="1" dirty="0" err="1" smtClean="0"/>
@@ -14542,7 +14710,23 @@
             </a:r>
             <a:r>
               <a:rPr lang="de-DE" dirty="0" smtClean="0"/>
-              <a:t>deklariert wurden  	 	   wenn eine Instanz der Klasse erstellt wird.</a:t>
+              <a:t>deklariert </a:t>
+            </a:r>
+            <a:r>
+              <a:rPr lang="de-DE" dirty="0" smtClean="0"/>
+              <a:t>wurden, 	 	   wenn </a:t>
+            </a:r>
+            <a:r>
+              <a:rPr lang="de-DE" dirty="0" smtClean="0"/>
+              <a:t>eine Instanz der Klasse erstellt </a:t>
+            </a:r>
+            <a:r>
+              <a:rPr lang="de-DE" dirty="0" smtClean="0"/>
+              <a:t>wird</a:t>
+            </a:r>
+            <a:r>
+              <a:rPr lang="de-DE" dirty="0" smtClean="0"/>
+              <a:t>.</a:t>
             </a:r>
             <a:endParaRPr lang="de-DE" dirty="0"/>
           </a:p>
@@ -14849,7 +15033,7 @@
             <a:fld id="{72B805AB-6570-4223-88EA-9B639C0B48FC}" type="datetime3">
               <a:rPr lang="de-DE" smtClean="0"/>
               <a:pPr/>
-              <a:t>24/08/14</a:t>
+              <a:t>27/08/14</a:t>
             </a:fld>
             <a:endParaRPr lang="de-DE"/>
           </a:p>
@@ -14955,7 +15139,7 @@
             <a:fld id="{D360FCC8-0ED7-4612-A4E5-D7880F8808E1}" type="datetime3">
               <a:rPr lang="de-DE" smtClean="0"/>
               <a:pPr/>
-              <a:t>24/08/14</a:t>
+              <a:t>27/08/14</a:t>
             </a:fld>
             <a:endParaRPr lang="de-DE"/>
           </a:p>
@@ -15273,7 +15457,7 @@
             <a:fld id="{D360FCC8-0ED7-4612-A4E5-D7880F8808E1}" type="datetime3">
               <a:rPr lang="de-DE" smtClean="0"/>
               <a:pPr/>
-              <a:t>24/08/14</a:t>
+              <a:t>27/08/14</a:t>
             </a:fld>
             <a:endParaRPr lang="de-DE"/>
           </a:p>
@@ -15376,7 +15560,15 @@
             </a:r>
             <a:r>
               <a:rPr lang="de-DE" dirty="0" smtClean="0"/>
-              <a:t> ich eine konkrete Implementierung von Interfaces ohne an irgendeiner Stelle in der Anwendung neue Abhängigkeiten zu schaffen?</a:t>
+              <a:t> ich eine konkrete Implementierung von </a:t>
+            </a:r>
+            <a:r>
+              <a:rPr lang="de-DE" dirty="0" smtClean="0"/>
+              <a:t>Interfaces, </a:t>
+            </a:r>
+            <a:r>
+              <a:rPr lang="de-DE" dirty="0" smtClean="0"/>
+              <a:t>ohne an irgendeiner Stelle in der Anwendung neue Abhängigkeiten zu schaffen?</a:t>
             </a:r>
           </a:p>
           <a:p>
@@ -15457,7 +15649,7 @@
             <a:fld id="{D360FCC8-0ED7-4612-A4E5-D7880F8808E1}" type="datetime3">
               <a:rPr lang="de-DE" smtClean="0"/>
               <a:pPr/>
-              <a:t>24/08/14</a:t>
+              <a:t>27/08/14</a:t>
             </a:fld>
             <a:endParaRPr lang="de-DE"/>
           </a:p>
@@ -15535,7 +15727,15 @@
           <a:p>
             <a:r>
               <a:rPr lang="de-DE" dirty="0" smtClean="0"/>
-              <a:t>Ich brauche immer noch irgendwo im Code eine Stelle die wie folgt aussieht: </a:t>
+              <a:t>Ich brauche immer noch irgendwo im Code eine </a:t>
+            </a:r>
+            <a:r>
+              <a:rPr lang="de-DE" dirty="0" smtClean="0"/>
+              <a:t>Stelle, </a:t>
+            </a:r>
+            <a:r>
+              <a:rPr lang="de-DE" dirty="0" smtClean="0"/>
+              <a:t>die wie folgt aussieht: </a:t>
             </a:r>
           </a:p>
           <a:p>
@@ -15641,7 +15841,19 @@
             </a:r>
             <a:r>
               <a:rPr lang="de-DE" dirty="0" smtClean="0"/>
-              <a:t> Container dienen als Vermittler zwischen den Abhängigkeiten die eine Klasse definiert (</a:t>
+              <a:t> Container dienen als Vermittler zwischen den </a:t>
+            </a:r>
+            <a:r>
+              <a:rPr lang="de-DE" dirty="0" smtClean="0"/>
+              <a:t>Abhängigkeiten, </a:t>
+            </a:r>
+            <a:r>
+              <a:rPr lang="de-DE" dirty="0" smtClean="0"/>
+              <a:t>die eine Klasse definiert </a:t>
+            </a:r>
+            <a:r>
+              <a:rPr lang="de-DE" dirty="0" smtClean="0"/>
+              <a:t>(</a:t>
             </a:r>
             <a:r>
               <a:rPr lang="de-DE" b="1" dirty="0" err="1" smtClean="0"/>
@@ -15649,7 +15861,23 @@
             </a:r>
             <a:r>
               <a:rPr lang="de-DE" dirty="0" smtClean="0"/>
-              <a:t>) und Klassen die genutzt werden können um diese Abhängigkeiten zu lösen (</a:t>
+              <a:t>) und </a:t>
+            </a:r>
+            <a:r>
+              <a:rPr lang="de-DE" dirty="0" smtClean="0"/>
+              <a:t>Klassen, </a:t>
+            </a:r>
+            <a:r>
+              <a:rPr lang="de-DE" dirty="0" smtClean="0"/>
+              <a:t>die genutzt werden </a:t>
+            </a:r>
+            <a:r>
+              <a:rPr lang="de-DE" dirty="0" smtClean="0"/>
+              <a:t>können, </a:t>
+            </a:r>
+            <a:r>
+              <a:rPr lang="de-DE" dirty="0" smtClean="0"/>
+              <a:t>um diese Abhängigkeiten zu lösen (</a:t>
             </a:r>
             <a:r>
               <a:rPr lang="de-DE" b="1" dirty="0" err="1" smtClean="0"/>
@@ -15657,7 +15885,7 @@
             </a:r>
             <a:r>
               <a:rPr lang="de-DE" dirty="0" smtClean="0"/>
-              <a:t>)</a:t>
+              <a:t>).</a:t>
             </a:r>
             <a:endParaRPr lang="de-DE" dirty="0"/>
           </a:p>
@@ -15736,7 +15964,7 @@
             <a:fld id="{D360FCC8-0ED7-4612-A4E5-D7880F8808E1}" type="datetime3">
               <a:rPr lang="de-DE" smtClean="0"/>
               <a:pPr/>
-              <a:t>24/08/14</a:t>
+              <a:t>27/08/14</a:t>
             </a:fld>
             <a:endParaRPr lang="de-DE"/>
           </a:p>
@@ -15845,7 +16073,23 @@
             </a:r>
             <a:r>
               <a:rPr lang="de-DE" dirty="0" smtClean="0"/>
-              <a:t> Container werden alle Interfaces die ich nutzen möchte registriert.</a:t>
+              <a:t> Container werden alle </a:t>
+            </a:r>
+            <a:r>
+              <a:rPr lang="de-DE" dirty="0" smtClean="0"/>
+              <a:t>Interfaces, </a:t>
+            </a:r>
+            <a:r>
+              <a:rPr lang="de-DE" dirty="0" smtClean="0"/>
+              <a:t>die ich nutzen </a:t>
+            </a:r>
+            <a:r>
+              <a:rPr lang="de-DE" dirty="0" smtClean="0"/>
+              <a:t>möchte, </a:t>
+            </a:r>
+            <a:r>
+              <a:rPr lang="de-DE" dirty="0" smtClean="0"/>
+              <a:t>registriert.</a:t>
             </a:r>
           </a:p>
           <a:p>
@@ -15854,7 +16098,15 @@
           <a:p>
             <a:r>
               <a:rPr lang="de-DE" dirty="0" smtClean="0"/>
-              <a:t>Zusätzlich gebe ich an, welche Klassen verwendet werden müssen um definierte Abhängigkeiten zu bedienen.</a:t>
+              <a:t>Zusätzlich gebe ich an, welche Klassen verwendet werden </a:t>
+            </a:r>
+            <a:r>
+              <a:rPr lang="de-DE" dirty="0" smtClean="0"/>
+              <a:t>müssen, </a:t>
+            </a:r>
+            <a:r>
+              <a:rPr lang="de-DE" dirty="0" smtClean="0"/>
+              <a:t>um definierte Abhängigkeiten zu bedienen.</a:t>
             </a:r>
           </a:p>
           <a:p>
@@ -16191,7 +16443,7 @@
             <a:fld id="{72B805AB-6570-4223-88EA-9B639C0B48FC}" type="datetime3">
               <a:rPr lang="de-DE" smtClean="0"/>
               <a:pPr/>
-              <a:t>24/08/14</a:t>
+              <a:t>27/08/14</a:t>
             </a:fld>
             <a:endParaRPr lang="de-DE"/>
           </a:p>
@@ -16297,7 +16549,7 @@
             <a:fld id="{72B805AB-6570-4223-88EA-9B639C0B48FC}" type="datetime3">
               <a:rPr lang="de-DE" smtClean="0"/>
               <a:pPr/>
-              <a:t>24/08/14</a:t>
+              <a:t>27/08/14</a:t>
             </a:fld>
             <a:endParaRPr lang="de-DE"/>
           </a:p>
@@ -16527,29 +16779,10 @@
               </a:spcBef>
             </a:pPr>
             <a:r>
-              <a:rPr lang="de-DE" sz="1600" dirty="0" smtClean="0">
-                <a:hlinkClick r:id="rId2"/>
-              </a:rPr>
-              <a:t>https://</a:t>
-            </a:r>
-            <a:r>
-              <a:rPr lang="de-DE" sz="1600" dirty="0" smtClean="0">
-                <a:hlinkClick r:id="rId2"/>
-              </a:rPr>
-              <a:t>github.com/fischfasch/IoC_Test</a:t>
-            </a:r>
-            <a:endParaRPr lang="de-DE" sz="1600" dirty="0" smtClean="0"/>
-          </a:p>
-          <a:p>
-            <a:pPr lvl="0">
-              <a:lnSpc>
-                <a:spcPct val="110000"/>
-              </a:lnSpc>
-              <a:spcBef>
-                <a:spcPts val="1200"/>
-              </a:spcBef>
-            </a:pPr>
-            <a:endParaRPr kumimoji="0" lang="de-DE" sz="1600" b="0" i="0" u="none" strike="noStrike" kern="1200" cap="none" spc="0" normalizeH="0" baseline="0" noProof="0" dirty="0" smtClean="0">
+              <a:rPr lang="de-DE" sz="1600" dirty="0" smtClean="0"/>
+              <a:t>https://github.com/fischfasch/IoC_Test</a:t>
+            </a:r>
+            <a:endParaRPr kumimoji="0" lang="de-DE" sz="1600" b="0" i="0" u="none" strike="noStrike" kern="1200" cap="none" spc="0" normalizeH="0" baseline="0" noProof="0" dirty="0">
               <a:ln>
                 <a:noFill/>
               </a:ln>
@@ -16563,138 +16796,6 @@
               <a:ea typeface="+mn-ea"/>
               <a:cs typeface="+mn-cs"/>
             </a:endParaRPr>
-          </a:p>
-          <a:p>
-            <a:pPr lvl="0">
-              <a:lnSpc>
-                <a:spcPct val="110000"/>
-              </a:lnSpc>
-              <a:spcBef>
-                <a:spcPts val="1200"/>
-              </a:spcBef>
-            </a:pPr>
-            <a:r>
-              <a:rPr kumimoji="0" lang="de-DE" sz="2200" b="0" i="0" u="none" strike="noStrike" kern="1200" cap="none" spc="0" normalizeH="0" baseline="0" noProof="0" dirty="0" smtClean="0">
-                <a:ln>
-                  <a:noFill/>
-                </a:ln>
-                <a:solidFill>
-                  <a:schemeClr val="tx1"/>
-                </a:solidFill>
-                <a:effectLst/>
-                <a:uLnTx/>
-                <a:uFillTx/>
-                <a:latin typeface="+mn-lt"/>
-                <a:ea typeface="+mn-ea"/>
-                <a:cs typeface="+mn-cs"/>
-              </a:rPr>
-              <a:t>Einfach die URL aufrufen und Download ZIP klicken</a:t>
-            </a:r>
-          </a:p>
-          <a:p>
-            <a:pPr lvl="0">
-              <a:lnSpc>
-                <a:spcPct val="110000"/>
-              </a:lnSpc>
-              <a:spcBef>
-                <a:spcPts val="1200"/>
-              </a:spcBef>
-            </a:pPr>
-            <a:endParaRPr kumimoji="0" lang="de-DE" sz="2200" b="0" i="0" u="none" strike="noStrike" kern="1200" cap="none" spc="0" normalizeH="0" baseline="0" noProof="0" dirty="0">
-              <a:ln>
-                <a:noFill/>
-              </a:ln>
-              <a:solidFill>
-                <a:schemeClr val="tx1"/>
-              </a:solidFill>
-              <a:effectLst/>
-              <a:uLnTx/>
-              <a:uFillTx/>
-              <a:latin typeface="+mn-lt"/>
-              <a:ea typeface="+mn-ea"/>
-              <a:cs typeface="+mn-cs"/>
-            </a:endParaRPr>
-          </a:p>
-        </p:txBody>
-      </p:sp>
-      <p:pic>
-        <p:nvPicPr>
-          <p:cNvPr id="1026" name="Picture 2"/>
-          <p:cNvPicPr>
-            <a:picLocks noChangeAspect="1" noChangeArrowheads="1"/>
-          </p:cNvPicPr>
-          <p:nvPr/>
-        </p:nvPicPr>
-        <p:blipFill>
-          <a:blip r:embed="rId3" cstate="print"/>
-          <a:srcRect/>
-          <a:stretch>
-            <a:fillRect/>
-          </a:stretch>
-        </p:blipFill>
-        <p:spPr bwMode="auto">
-          <a:xfrm>
-            <a:off x="1115616" y="3789040"/>
-            <a:ext cx="6336704" cy="2607447"/>
-          </a:xfrm>
-          <a:prstGeom prst="rect">
-            <a:avLst/>
-          </a:prstGeom>
-          <a:noFill/>
-          <a:ln w="9525">
-            <a:noFill/>
-            <a:miter lim="800000"/>
-            <a:headEnd/>
-            <a:tailEnd/>
-          </a:ln>
-        </p:spPr>
-      </p:pic>
-      <p:sp>
-        <p:nvSpPr>
-          <p:cNvPr id="10" name="Rechteck 9"/>
-          <p:cNvSpPr/>
-          <p:nvPr/>
-        </p:nvSpPr>
-        <p:spPr>
-          <a:xfrm>
-            <a:off x="6012160" y="6021288"/>
-            <a:ext cx="1368152" cy="456051"/>
-          </a:xfrm>
-          <a:prstGeom prst="rect">
-            <a:avLst/>
-          </a:prstGeom>
-          <a:noFill/>
-          <a:ln w="38100">
-            <a:solidFill>
-              <a:srgbClr val="FF0000"/>
-            </a:solidFill>
-          </a:ln>
-          <a:effectLst/>
-        </p:spPr>
-        <p:style>
-          <a:lnRef idx="1">
-            <a:schemeClr val="accent1"/>
-          </a:lnRef>
-          <a:fillRef idx="2">
-            <a:schemeClr val="accent1"/>
-          </a:fillRef>
-          <a:effectRef idx="1">
-            <a:schemeClr val="accent1"/>
-          </a:effectRef>
-          <a:fontRef idx="minor">
-            <a:schemeClr val="dk1"/>
-          </a:fontRef>
-        </p:style>
-        <p:txBody>
-          <a:bodyPr rtlCol="0" anchor="ctr"/>
-          <a:lstStyle/>
-          <a:p>
-            <a:pPr algn="ctr">
-              <a:lnSpc>
-                <a:spcPct val="110000"/>
-              </a:lnSpc>
-            </a:pPr>
-            <a:endParaRPr lang="de-DE" sz="1600" smtClean="0"/>
           </a:p>
         </p:txBody>
       </p:sp>
@@ -16809,7 +16910,7 @@
             <a:fld id="{1A8CCCC9-EC42-4828-AEE8-5485002C4630}" type="datetime3">
               <a:rPr lang="de-DE" smtClean="0"/>
               <a:pPr/>
-              <a:t>24/08/14</a:t>
+              <a:t>27/08/14</a:t>
             </a:fld>
             <a:endParaRPr lang="de-DE"/>
           </a:p>
@@ -16897,7 +16998,15 @@
           <a:p>
             <a:r>
               <a:rPr lang="de-DE" dirty="0" smtClean="0"/>
-              <a:t>Die im folgenden beschriebene Anforderungen sind die am häufigsten vorkommenden Anforderungen an eine Software.</a:t>
+              <a:t>Die im folgenden beschriebene Anforderungen sind die am häufigsten </a:t>
+            </a:r>
+            <a:r>
+              <a:rPr lang="de-DE" smtClean="0"/>
+              <a:t>vorkommenden grundlegenden </a:t>
+            </a:r>
+            <a:r>
+              <a:rPr lang="de-DE" dirty="0" smtClean="0"/>
+              <a:t>Anforderungen an eine Software.</a:t>
             </a:r>
           </a:p>
           <a:p>
@@ -16974,7 +17083,7 @@
             <a:fld id="{1A8CCCC9-EC42-4828-AEE8-5485002C4630}" type="datetime3">
               <a:rPr lang="de-DE" smtClean="0"/>
               <a:pPr/>
-              <a:t>24/08/14</a:t>
+              <a:t>27/08/14</a:t>
             </a:fld>
             <a:endParaRPr lang="de-DE"/>
           </a:p>
@@ -17177,7 +17286,7 @@
             <a:fld id="{1A8CCCC9-EC42-4828-AEE8-5485002C4630}" type="datetime3">
               <a:rPr lang="de-DE" smtClean="0"/>
               <a:pPr/>
-              <a:t>24/08/14</a:t>
+              <a:t>27/08/14</a:t>
             </a:fld>
             <a:endParaRPr lang="de-DE"/>
           </a:p>
@@ -17275,7 +17384,15 @@
             <a:pPr marL="457200" indent="-457200"/>
             <a:r>
               <a:rPr lang="de-DE" dirty="0" smtClean="0"/>
-              <a:t>	je größer das System, umso aufwändiger das Testen.</a:t>
+              <a:t>	</a:t>
+            </a:r>
+            <a:r>
+              <a:rPr lang="de-DE" dirty="0" smtClean="0"/>
+              <a:t>Je </a:t>
+            </a:r>
+            <a:r>
+              <a:rPr lang="de-DE" dirty="0" smtClean="0"/>
+              <a:t>größer das System, umso aufwändiger das Testen.</a:t>
             </a:r>
           </a:p>
           <a:p>
@@ -17294,8 +17411,17 @@
             </a:r>
             <a:r>
               <a:rPr lang="de-DE" dirty="0" smtClean="0"/>
-              <a:t>-Design (TDD) / Unit Tests.</a:t>
-            </a:r>
+              <a:t>-Design (</a:t>
+            </a:r>
+            <a:r>
+              <a:rPr lang="de-DE" dirty="0" smtClean="0"/>
+              <a:t>TDD</a:t>
+            </a:r>
+            <a:r>
+              <a:rPr lang="de-DE" dirty="0" smtClean="0"/>
+              <a:t>).</a:t>
+            </a:r>
+            <a:endParaRPr lang="de-DE" dirty="0" smtClean="0"/>
           </a:p>
           <a:p>
             <a:pPr marL="457200" indent="-457200"/>
@@ -17378,7 +17504,7 @@
             <a:fld id="{1A8CCCC9-EC42-4828-AEE8-5485002C4630}" type="datetime3">
               <a:rPr lang="de-DE" smtClean="0"/>
               <a:pPr/>
-              <a:t>24/08/14</a:t>
+              <a:t>27/08/14</a:t>
             </a:fld>
             <a:endParaRPr lang="de-DE"/>
           </a:p>
@@ -17474,7 +17600,15 @@
             <a:pPr marL="457200" indent="-457200"/>
             <a:r>
               <a:rPr lang="de-DE" dirty="0" smtClean="0"/>
-              <a:t>	Flexibilität wenn z.B. eine Anwendung nicht mehr im Web sondern als Client Anwendung laufen soll.</a:t>
+              <a:t>	Flexibilität wenn z.B. eine Anwendung nicht mehr im Web sondern als </a:t>
+            </a:r>
+            <a:r>
+              <a:rPr lang="de-DE" dirty="0" smtClean="0"/>
+              <a:t>Client-Anwendung </a:t>
+            </a:r>
+            <a:r>
+              <a:rPr lang="de-DE" dirty="0" smtClean="0"/>
+              <a:t>laufen soll.</a:t>
             </a:r>
           </a:p>
           <a:p>
@@ -17559,7 +17693,7 @@
             <a:fld id="{1A8CCCC9-EC42-4828-AEE8-5485002C4630}" type="datetime3">
               <a:rPr lang="de-DE" smtClean="0"/>
               <a:pPr/>
-              <a:t>24/08/14</a:t>
+              <a:t>27/08/14</a:t>
             </a:fld>
             <a:endParaRPr lang="de-DE"/>
           </a:p>
@@ -17740,7 +17874,7 @@
             <a:fld id="{1A8CCCC9-EC42-4828-AEE8-5485002C4630}" type="datetime3">
               <a:rPr lang="de-DE" smtClean="0"/>
               <a:pPr/>
-              <a:t>24/08/14</a:t>
+              <a:t>27/08/14</a:t>
             </a:fld>
             <a:endParaRPr lang="de-DE"/>
           </a:p>
